--- a/areaDetector_training_MJG.pptx
+++ b/areaDetector_training_MJG.pptx
@@ -19282,7 +19282,7 @@
           <a:p>
             <a:pPr algn="ctr"/>
             <a:r>
-              <a:rPr lang="en-GB">
+              <a:rPr lang="en-GB" dirty="0">
                 <a:solidFill>
                   <a:schemeClr val="bg1"/>
                 </a:solidFill>
@@ -19293,12 +19293,12 @@
           <a:p>
             <a:pPr algn="ctr"/>
             <a:r>
-              <a:rPr lang="en-GB">
+              <a:rPr lang="en-GB" dirty="0">
                 <a:solidFill>
                   <a:schemeClr val="bg1"/>
                 </a:solidFill>
               </a:rPr>
-              <a:t>Diamond Light Source, United Kingdom</a:t>
+              <a:t>Diamond Light Source, UK</a:t>
             </a:r>
           </a:p>
         </p:txBody>
@@ -44299,17 +44299,17 @@
           <a:lstStyle/>
           <a:p>
             <a:r>
-              <a:rPr lang="en-US" altLang="en-US"/>
+              <a:rPr lang="en-US" altLang="en-US" dirty="0"/>
               <a:t>User Guide – very helpful</a:t>
             </a:r>
-            <a:endParaRPr lang="en-US">
+            <a:endParaRPr lang="en-US" dirty="0">
               <a:cs typeface="Times New Roman"/>
             </a:endParaRPr>
           </a:p>
           <a:p>
             <a:pPr lvl="1"/>
             <a:r>
-              <a:rPr lang="en-US" sz="1800">
+              <a:rPr lang="en-US" sz="1800" dirty="0">
                 <a:solidFill>
                   <a:srgbClr val="FF0000"/>
                 </a:solidFill>
@@ -44318,7 +44318,7 @@
               </a:rPr>
               <a:t>https://areadetector.github.io/areaDetector/user_guide.html</a:t>
             </a:r>
-            <a:endParaRPr lang="en-US" altLang="en-US" sz="1800">
+            <a:endParaRPr lang="en-US" altLang="en-US" sz="1800" dirty="0">
               <a:solidFill>
                 <a:srgbClr val="FF0000"/>
               </a:solidFill>
@@ -44327,28 +44327,28 @@
           </a:p>
           <a:p>
             <a:r>
-              <a:rPr lang="en-US" altLang="en-US"/>
+              <a:rPr lang="en-US" altLang="en-US" dirty="0"/>
               <a:t>GitHub </a:t>
             </a:r>
             <a:r>
-              <a:rPr lang="en-US" altLang="en-US" err="1"/>
+              <a:rPr lang="en-US" altLang="en-US" dirty="0" err="1"/>
               <a:t>organisation</a:t>
             </a:r>
-            <a:endParaRPr lang="en-US" altLang="en-US">
+            <a:endParaRPr lang="en-US" altLang="en-US" dirty="0">
               <a:cs typeface="Times New Roman"/>
             </a:endParaRPr>
           </a:p>
           <a:p>
             <a:pPr lvl="1"/>
             <a:r>
-              <a:rPr lang="en-US" altLang="en-US" sz="1800">
+              <a:rPr lang="en-US" altLang="en-US" sz="1800" dirty="0">
                 <a:solidFill>
                   <a:srgbClr val="FF0000"/>
                 </a:solidFill>
               </a:rPr>
               <a:t>https://github.com/areaDetector</a:t>
             </a:r>
-            <a:endParaRPr lang="en-US" altLang="en-US" sz="1800">
+            <a:endParaRPr lang="en-US" altLang="en-US" sz="1800" dirty="0">
               <a:solidFill>
                 <a:srgbClr val="FF0000"/>
               </a:solidFill>
@@ -44357,10 +44357,10 @@
           </a:p>
           <a:p>
             <a:r>
-              <a:rPr lang="en-US"/>
+              <a:rPr lang="en-US" dirty="0"/>
               <a:t>NSLS-II EPICS Lecture Series</a:t>
             </a:r>
-            <a:endParaRPr lang="en-US">
+            <a:endParaRPr lang="en-US" dirty="0">
               <a:solidFill>
                 <a:srgbClr val="FF0000"/>
               </a:solidFill>
@@ -44369,7 +44369,7 @@
           <a:p>
             <a:pPr lvl="1"/>
             <a:r>
-              <a:rPr lang="en-US" sz="1800">
+              <a:rPr lang="en-US" sz="1800" dirty="0">
                 <a:solidFill>
                   <a:srgbClr val="FF0000"/>
                 </a:solidFill>
@@ -44381,18 +44381,18 @@
           </a:p>
           <a:p>
             <a:r>
-              <a:rPr lang="en-US"/>
+              <a:rPr lang="en-US" dirty="0"/>
               <a:t>Top-level </a:t>
             </a:r>
             <a:r>
-              <a:rPr lang="en-US" err="1"/>
+              <a:rPr lang="en-US" dirty="0" err="1"/>
               <a:t>areaDetector</a:t>
             </a:r>
             <a:r>
-              <a:rPr lang="en-US"/>
+              <a:rPr lang="en-US" dirty="0"/>
               <a:t> module</a:t>
             </a:r>
-            <a:endParaRPr lang="en-US">
+            <a:endParaRPr lang="en-US" dirty="0">
               <a:solidFill>
                 <a:srgbClr val="FF0000"/>
               </a:solidFill>
@@ -44401,7 +44401,7 @@
           <a:p>
             <a:pPr lvl="1"/>
             <a:r>
-              <a:rPr lang="en-US" sz="1800">
+              <a:rPr lang="en-US" sz="1800" dirty="0">
                 <a:solidFill>
                   <a:srgbClr val="FF0000"/>
                 </a:solidFill>
@@ -44410,6 +44410,36 @@
               </a:rPr>
               <a:t>https://github.com/areaDetector/areaDetector</a:t>
             </a:r>
+          </a:p>
+          <a:p>
+            <a:pPr lvl="1"/>
+            <a:r>
+              <a:rPr lang="en-US" sz="1800" dirty="0">
+                <a:solidFill>
+                  <a:srgbClr val="FF0000"/>
+                </a:solidFill>
+                <a:ea typeface="+mn-lt"/>
+                <a:cs typeface="+mn-lt"/>
+              </a:rPr>
+              <a:t>This structure is not necessary for </a:t>
+            </a:r>
+            <a:r>
+              <a:rPr lang="en-US" sz="1800" dirty="0" err="1">
+                <a:solidFill>
+                  <a:srgbClr val="FF0000"/>
+                </a:solidFill>
+                <a:ea typeface="+mn-lt"/>
+                <a:cs typeface="+mn-lt"/>
+              </a:rPr>
+              <a:t>areaDetector</a:t>
+            </a:r>
+            <a:endParaRPr lang="en-US" sz="1800" dirty="0">
+              <a:solidFill>
+                <a:srgbClr val="FF0000"/>
+              </a:solidFill>
+              <a:ea typeface="+mn-lt"/>
+              <a:cs typeface="+mn-lt"/>
+            </a:endParaRPr>
           </a:p>
         </p:txBody>
       </p:sp>
@@ -46530,15 +46560,6 @@
 </file>
 
 <file path=customXml/item1.xml><?xml version="1.0" encoding="utf-8"?>
-<?mso-contentType ?>
-<FormTemplates xmlns="http://schemas.microsoft.com/sharepoint/v3/contenttype/forms">
-  <Display>DocumentLibraryForm</Display>
-  <Edit>DocumentLibraryForm</Edit>
-  <New>DocumentLibraryForm</New>
-</FormTemplates>
-</file>
-
-<file path=customXml/item2.xml><?xml version="1.0" encoding="utf-8"?>
 <ct:contentTypeSchema xmlns:ct="http://schemas.microsoft.com/office/2006/metadata/contentType" xmlns:ma="http://schemas.microsoft.com/office/2006/metadata/properties/metaAttributes" ct:_="" ma:_="" ma:contentTypeName="Document" ma:contentTypeID="0x010100940511AEB5DC3446862388E63CC85ACB" ma:contentTypeVersion="15" ma:contentTypeDescription="Create a new document." ma:contentTypeScope="" ma:versionID="7392a017f0008d2e3cd021373c647925">
   <xsd:schema xmlns:xsd="http://www.w3.org/2001/XMLSchema" xmlns:xs="http://www.w3.org/2001/XMLSchema" xmlns:p="http://schemas.microsoft.com/office/2006/metadata/properties" xmlns:ns3="81e21e21-392c-437b-9c6c-ca8ff57d7fd6" xmlns:ns4="35e2ab30-a9dc-4e25-bbb9-d2ad59db67cc" targetNamespace="http://schemas.microsoft.com/office/2006/metadata/properties" ma:root="true" ma:fieldsID="94eb91e77dc36556ff3d67fb2fa1c153" ns3:_="" ns4:_="">
     <xsd:import namespace="81e21e21-392c-437b-9c6c-ca8ff57d7fd6"/>
@@ -46773,6 +46794,15 @@
 </ct:contentTypeSchema>
 </file>
 
+<file path=customXml/item2.xml><?xml version="1.0" encoding="utf-8"?>
+<?mso-contentType ?>
+<FormTemplates xmlns="http://schemas.microsoft.com/sharepoint/v3/contenttype/forms">
+  <Display>DocumentLibraryForm</Display>
+  <Edit>DocumentLibraryForm</Edit>
+  <New>DocumentLibraryForm</New>
+</FormTemplates>
+</file>
+
 <file path=customXml/item3.xml><?xml version="1.0" encoding="utf-8"?>
 <p:properties xmlns:p="http://schemas.microsoft.com/office/2006/metadata/properties" xmlns:xsi="http://www.w3.org/2001/XMLSchema-instance" xmlns:pc="http://schemas.microsoft.com/office/infopath/2007/PartnerControls">
   <documentManagement>
@@ -46782,14 +46812,6 @@
 </file>
 
 <file path=customXml/itemProps1.xml><?xml version="1.0" encoding="utf-8"?>
-<ds:datastoreItem xmlns:ds="http://schemas.openxmlformats.org/officeDocument/2006/customXml" ds:itemID="{2BF01B88-DD18-48B6-B5DD-8564F65F4051}">
-  <ds:schemaRefs>
-    <ds:schemaRef ds:uri="http://schemas.microsoft.com/sharepoint/v3/contenttype/forms"/>
-  </ds:schemaRefs>
-</ds:datastoreItem>
-</file>
-
-<file path=customXml/itemProps2.xml><?xml version="1.0" encoding="utf-8"?>
 <ds:datastoreItem xmlns:ds="http://schemas.openxmlformats.org/officeDocument/2006/customXml" ds:itemID="{36D4B08D-A9E5-4E6D-B766-1308A975B854}">
   <ds:schemaRefs>
     <ds:schemaRef ds:uri="35e2ab30-a9dc-4e25-bbb9-d2ad59db67cc"/>
@@ -46804,6 +46826,14 @@
     <ds:schemaRef ds:uri="http://schemas.microsoft.com/office/infopath/2007/PartnerControls"/>
     <ds:schemaRef ds:uri="http://schemas.openxmlformats.org/package/2006/metadata/core-properties"/>
     <ds:schemaRef ds:uri="http://www.w3.org/2001/XMLSchema"/>
+  </ds:schemaRefs>
+</ds:datastoreItem>
+</file>
+
+<file path=customXml/itemProps2.xml><?xml version="1.0" encoding="utf-8"?>
+<ds:datastoreItem xmlns:ds="http://schemas.openxmlformats.org/officeDocument/2006/customXml" ds:itemID="{2BF01B88-DD18-48B6-B5DD-8564F65F4051}">
+  <ds:schemaRefs>
+    <ds:schemaRef ds:uri="http://schemas.microsoft.com/sharepoint/v3/contenttype/forms"/>
   </ds:schemaRefs>
 </ds:datastoreItem>
 </file>
